--- a/model_building_slides_trimmed.pptx
+++ b/model_building_slides_trimmed.pptx
@@ -4506,7 +4506,7 @@
         <p:spPr>
           <a:xfrm>
             <a:off x="149536" y="669892"/>
-            <a:ext cx="4019052" cy="2585323"/>
+            <a:ext cx="3886019" cy="2862322"/>
           </a:xfrm>
           <a:prstGeom prst="rect">
             <a:avLst/>
@@ -4519,12 +4519,6 @@
           </a:bodyPr>
           <a:lstStyle/>
           <a:p>
-            <a:r>
-              <a:rPr lang="en-US" i="1" dirty="0"/>
-              <a:t>Good Predictive Model </a:t>
-            </a:r>
-          </a:p>
-          <a:p>
             <a:pPr marL="285750" indent="-285750">
               <a:buFont typeface="Arial" panose="020B0604020202020204" pitchFamily="34" charset="0"/>
               <a:buChar char="•"/>
@@ -4556,12 +4550,47 @@
           </a:p>
         </p:txBody>
       </p:sp>
+      <p:sp>
+        <p:nvSpPr>
+          <p:cNvPr id="5" name="TextBox 4">
+            <a:extLst>
+              <a:ext uri="{FF2B5EF4-FFF2-40B4-BE49-F238E27FC236}">
+                <a16:creationId xmlns:a16="http://schemas.microsoft.com/office/drawing/2014/main" id="{7BD27516-B8CD-4EFB-867C-F8C341B318FE}"/>
+              </a:ext>
+            </a:extLst>
+          </p:cNvPr>
+          <p:cNvSpPr txBox="1"/>
+          <p:nvPr/>
+        </p:nvSpPr>
+        <p:spPr>
+          <a:xfrm>
+            <a:off x="6654178" y="351307"/>
+            <a:ext cx="4065973" cy="323165"/>
+          </a:xfrm>
+          <a:prstGeom prst="rect">
+            <a:avLst/>
+          </a:prstGeom>
+          <a:noFill/>
+        </p:spPr>
+        <p:txBody>
+          <a:bodyPr wrap="square" rtlCol="0">
+            <a:spAutoFit/>
+          </a:bodyPr>
+          <a:lstStyle/>
+          <a:p>
+            <a:r>
+              <a:rPr lang="en-US" sz="1500" i="1" dirty="0"/>
+              <a:t>Residuals Before &amp; After Model Extended </a:t>
+            </a:r>
+          </a:p>
+        </p:txBody>
+      </p:sp>
       <p:pic>
         <p:nvPicPr>
-          <p:cNvPr id="9" name="Picture 8">
-            <a:extLst>
-              <a:ext uri="{FF2B5EF4-FFF2-40B4-BE49-F238E27FC236}">
-                <a16:creationId xmlns:a16="http://schemas.microsoft.com/office/drawing/2014/main" id="{CCD81A84-F5FD-45B0-B2DE-CC04ED04E591}"/>
+          <p:cNvPr id="17" name="Picture 16">
+            <a:extLst>
+              <a:ext uri="{FF2B5EF4-FFF2-40B4-BE49-F238E27FC236}">
+                <a16:creationId xmlns:a16="http://schemas.microsoft.com/office/drawing/2014/main" id="{C0CBBCB2-E00D-4132-B82E-B6497A622A4D}"/>
               </a:ext>
             </a:extLst>
           </p:cNvPr>
@@ -4578,14 +4607,74 @@
         </p:blipFill>
         <p:spPr>
           <a:xfrm>
-            <a:off x="4151553" y="788816"/>
-            <a:ext cx="4028374" cy="2686897"/>
+            <a:off x="-23387" y="3641686"/>
+            <a:ext cx="4334130" cy="2865007"/>
           </a:xfrm>
           <a:prstGeom prst="rect">
             <a:avLst/>
           </a:prstGeom>
         </p:spPr>
       </p:pic>
+      <p:pic>
+        <p:nvPicPr>
+          <p:cNvPr id="20" name="Picture 19">
+            <a:extLst>
+              <a:ext uri="{FF2B5EF4-FFF2-40B4-BE49-F238E27FC236}">
+                <a16:creationId xmlns:a16="http://schemas.microsoft.com/office/drawing/2014/main" id="{A54A1384-3DC6-4211-BC53-7E2DD249CDCE}"/>
+              </a:ext>
+            </a:extLst>
+          </p:cNvPr>
+          <p:cNvPicPr>
+            <a:picLocks noChangeAspect="1"/>
+          </p:cNvPicPr>
+          <p:nvPr/>
+        </p:nvPicPr>
+        <p:blipFill>
+          <a:blip r:embed="rId4"/>
+          <a:stretch>
+            <a:fillRect/>
+          </a:stretch>
+        </p:blipFill>
+        <p:spPr>
+          <a:xfrm>
+            <a:off x="8125545" y="738235"/>
+            <a:ext cx="4118082" cy="2793979"/>
+          </a:xfrm>
+          <a:prstGeom prst="rect">
+            <a:avLst/>
+          </a:prstGeom>
+        </p:spPr>
+      </p:pic>
+      <p:pic>
+        <p:nvPicPr>
+          <p:cNvPr id="11" name="Picture 10">
+            <a:extLst>
+              <a:ext uri="{FF2B5EF4-FFF2-40B4-BE49-F238E27FC236}">
+                <a16:creationId xmlns:a16="http://schemas.microsoft.com/office/drawing/2014/main" id="{E910364D-4449-4B90-B23A-B7194C560818}"/>
+              </a:ext>
+            </a:extLst>
+          </p:cNvPr>
+          <p:cNvPicPr>
+            <a:picLocks noChangeAspect="1"/>
+          </p:cNvPicPr>
+          <p:nvPr/>
+        </p:nvPicPr>
+        <p:blipFill>
+          <a:blip r:embed="rId5"/>
+          <a:stretch>
+            <a:fillRect/>
+          </a:stretch>
+        </p:blipFill>
+        <p:spPr>
+          <a:xfrm>
+            <a:off x="3881957" y="743446"/>
+            <a:ext cx="4065973" cy="2750390"/>
+          </a:xfrm>
+          <a:prstGeom prst="rect">
+            <a:avLst/>
+          </a:prstGeom>
+        </p:spPr>
+      </p:pic>
       <p:sp>
         <p:nvSpPr>
           <p:cNvPr id="4" name="Arrow: Right 3">
@@ -4600,8 +4689,8 @@
         </p:nvSpPr>
         <p:spPr>
           <a:xfrm flipV="1">
-            <a:off x="8063929" y="1875287"/>
-            <a:ext cx="231996" cy="123919"/>
+            <a:off x="7847763" y="1896933"/>
+            <a:ext cx="277782" cy="142882"/>
           </a:xfrm>
           <a:prstGeom prst="rightArrow">
             <a:avLst/>
@@ -4632,107 +4721,12 @@
           </a:p>
         </p:txBody>
       </p:sp>
-      <p:sp>
-        <p:nvSpPr>
-          <p:cNvPr id="5" name="TextBox 4">
-            <a:extLst>
-              <a:ext uri="{FF2B5EF4-FFF2-40B4-BE49-F238E27FC236}">
-                <a16:creationId xmlns:a16="http://schemas.microsoft.com/office/drawing/2014/main" id="{7BD27516-B8CD-4EFB-867C-F8C341B318FE}"/>
-              </a:ext>
-            </a:extLst>
-          </p:cNvPr>
-          <p:cNvSpPr txBox="1"/>
-          <p:nvPr/>
-        </p:nvSpPr>
-        <p:spPr>
-          <a:xfrm>
-            <a:off x="6654178" y="351307"/>
-            <a:ext cx="4065973" cy="323165"/>
-          </a:xfrm>
-          <a:prstGeom prst="rect">
-            <a:avLst/>
-          </a:prstGeom>
-          <a:noFill/>
-        </p:spPr>
-        <p:txBody>
-          <a:bodyPr wrap="square" rtlCol="0">
-            <a:spAutoFit/>
-          </a:bodyPr>
-          <a:lstStyle/>
-          <a:p>
-            <a:r>
-              <a:rPr lang="en-US" sz="1500" i="1" dirty="0"/>
-              <a:t>Residuals Before &amp; After Model Extended </a:t>
-            </a:r>
-          </a:p>
-        </p:txBody>
-      </p:sp>
       <p:pic>
         <p:nvPicPr>
-          <p:cNvPr id="17" name="Picture 16">
-            <a:extLst>
-              <a:ext uri="{FF2B5EF4-FFF2-40B4-BE49-F238E27FC236}">
-                <a16:creationId xmlns:a16="http://schemas.microsoft.com/office/drawing/2014/main" id="{C0CBBCB2-E00D-4132-B82E-B6497A622A4D}"/>
-              </a:ext>
-            </a:extLst>
-          </p:cNvPr>
-          <p:cNvPicPr>
-            <a:picLocks noChangeAspect="1"/>
-          </p:cNvPicPr>
-          <p:nvPr/>
-        </p:nvPicPr>
-        <p:blipFill>
-          <a:blip r:embed="rId4"/>
-          <a:stretch>
-            <a:fillRect/>
-          </a:stretch>
-        </p:blipFill>
-        <p:spPr>
-          <a:xfrm>
-            <a:off x="-23387" y="3571968"/>
-            <a:ext cx="4439600" cy="2934726"/>
-          </a:xfrm>
-          <a:prstGeom prst="rect">
-            <a:avLst/>
-          </a:prstGeom>
-        </p:spPr>
-      </p:pic>
-      <p:pic>
-        <p:nvPicPr>
-          <p:cNvPr id="20" name="Picture 19">
-            <a:extLst>
-              <a:ext uri="{FF2B5EF4-FFF2-40B4-BE49-F238E27FC236}">
-                <a16:creationId xmlns:a16="http://schemas.microsoft.com/office/drawing/2014/main" id="{A54A1384-3DC6-4211-BC53-7E2DD249CDCE}"/>
-              </a:ext>
-            </a:extLst>
-          </p:cNvPr>
-          <p:cNvPicPr>
-            <a:picLocks noChangeAspect="1"/>
-          </p:cNvPicPr>
-          <p:nvPr/>
-        </p:nvPicPr>
-        <p:blipFill>
-          <a:blip r:embed="rId5"/>
-          <a:stretch>
-            <a:fillRect/>
-          </a:stretch>
-        </p:blipFill>
-        <p:spPr>
-          <a:xfrm>
-            <a:off x="8295925" y="788817"/>
-            <a:ext cx="3891401" cy="2640184"/>
-          </a:xfrm>
-          <a:prstGeom prst="rect">
-            <a:avLst/>
-          </a:prstGeom>
-        </p:spPr>
-      </p:pic>
-      <p:pic>
-        <p:nvPicPr>
-          <p:cNvPr id="7" name="Picture 6">
-            <a:extLst>
-              <a:ext uri="{FF2B5EF4-FFF2-40B4-BE49-F238E27FC236}">
-                <a16:creationId xmlns:a16="http://schemas.microsoft.com/office/drawing/2014/main" id="{EC3446DE-16AD-41E0-9126-0A7F8C6B909B}"/>
+          <p:cNvPr id="12" name="Picture 11">
+            <a:extLst>
+              <a:ext uri="{FF2B5EF4-FFF2-40B4-BE49-F238E27FC236}">
+                <a16:creationId xmlns:a16="http://schemas.microsoft.com/office/drawing/2014/main" id="{495BCE22-2815-4718-B5E2-2E2DE8246C16}"/>
               </a:ext>
             </a:extLst>
           </p:cNvPr>
@@ -4749,8 +4743,8 @@
         </p:blipFill>
         <p:spPr>
           <a:xfrm>
-            <a:off x="4151553" y="3571967"/>
-            <a:ext cx="4336711" cy="2934726"/>
+            <a:off x="4137806" y="3672663"/>
+            <a:ext cx="4161426" cy="2793979"/>
           </a:xfrm>
           <a:prstGeom prst="rect">
             <a:avLst/>
@@ -4759,10 +4753,10 @@
       </p:pic>
       <p:pic>
         <p:nvPicPr>
-          <p:cNvPr id="19" name="Picture 18">
-            <a:extLst>
-              <a:ext uri="{FF2B5EF4-FFF2-40B4-BE49-F238E27FC236}">
-                <a16:creationId xmlns:a16="http://schemas.microsoft.com/office/drawing/2014/main" id="{EBCE43E9-AF51-422E-854B-0AA826998F24}"/>
+          <p:cNvPr id="13" name="Picture 12">
+            <a:extLst>
+              <a:ext uri="{FF2B5EF4-FFF2-40B4-BE49-F238E27FC236}">
+                <a16:creationId xmlns:a16="http://schemas.microsoft.com/office/drawing/2014/main" id="{8D41C679-50AD-46D9-A026-550AA32CED44}"/>
               </a:ext>
             </a:extLst>
           </p:cNvPr>
@@ -4779,8 +4773,8 @@
         </p:blipFill>
         <p:spPr>
           <a:xfrm>
-            <a:off x="8179927" y="3712713"/>
-            <a:ext cx="4262288" cy="2793980"/>
+            <a:off x="8219230" y="3749998"/>
+            <a:ext cx="3930712" cy="2639307"/>
           </a:xfrm>
           <a:prstGeom prst="rect">
             <a:avLst/>
@@ -5873,10 +5867,10 @@
       </p:pic>
       <p:pic>
         <p:nvPicPr>
-          <p:cNvPr id="9" name="Picture 8">
-            <a:extLst>
-              <a:ext uri="{FF2B5EF4-FFF2-40B4-BE49-F238E27FC236}">
-                <a16:creationId xmlns:a16="http://schemas.microsoft.com/office/drawing/2014/main" id="{C4DE1740-F5EA-4748-84D2-037734A87B85}"/>
+          <p:cNvPr id="12" name="Picture 11">
+            <a:extLst>
+              <a:ext uri="{FF2B5EF4-FFF2-40B4-BE49-F238E27FC236}">
+                <a16:creationId xmlns:a16="http://schemas.microsoft.com/office/drawing/2014/main" id="{DEE9320F-D0C5-4847-B1F0-D88CBC265557}"/>
               </a:ext>
             </a:extLst>
           </p:cNvPr>
@@ -5893,8 +5887,8 @@
         </p:blipFill>
         <p:spPr>
           <a:xfrm>
-            <a:off x="5185415" y="167537"/>
-            <a:ext cx="5085905" cy="3433501"/>
+            <a:off x="371950" y="3797921"/>
+            <a:ext cx="4364206" cy="3057182"/>
           </a:xfrm>
           <a:prstGeom prst="rect">
             <a:avLst/>
@@ -5903,10 +5897,10 @@
       </p:pic>
       <p:pic>
         <p:nvPicPr>
-          <p:cNvPr id="10" name="Picture 9">
-            <a:extLst>
-              <a:ext uri="{FF2B5EF4-FFF2-40B4-BE49-F238E27FC236}">
-                <a16:creationId xmlns:a16="http://schemas.microsoft.com/office/drawing/2014/main" id="{34197B84-DD07-434B-A84A-25D19D7A95F1}"/>
+          <p:cNvPr id="3" name="Picture 2">
+            <a:extLst>
+              <a:ext uri="{FF2B5EF4-FFF2-40B4-BE49-F238E27FC236}">
+                <a16:creationId xmlns:a16="http://schemas.microsoft.com/office/drawing/2014/main" id="{82D93E4A-220A-4468-8ED5-CFBD7A1F9079}"/>
               </a:ext>
             </a:extLst>
           </p:cNvPr>
@@ -5923,8 +5917,8 @@
         </p:blipFill>
         <p:spPr>
           <a:xfrm>
-            <a:off x="371950" y="620211"/>
-            <a:ext cx="4591050" cy="3177710"/>
+            <a:off x="290147" y="701527"/>
+            <a:ext cx="4221563" cy="3096394"/>
           </a:xfrm>
           <a:prstGeom prst="rect">
             <a:avLst/>
@@ -5933,10 +5927,10 @@
       </p:pic>
       <p:pic>
         <p:nvPicPr>
-          <p:cNvPr id="12" name="Picture 11">
-            <a:extLst>
-              <a:ext uri="{FF2B5EF4-FFF2-40B4-BE49-F238E27FC236}">
-                <a16:creationId xmlns:a16="http://schemas.microsoft.com/office/drawing/2014/main" id="{DEE9320F-D0C5-4847-B1F0-D88CBC265557}"/>
+          <p:cNvPr id="4" name="Picture 3">
+            <a:extLst>
+              <a:ext uri="{FF2B5EF4-FFF2-40B4-BE49-F238E27FC236}">
+                <a16:creationId xmlns:a16="http://schemas.microsoft.com/office/drawing/2014/main" id="{0FE04859-2F18-4DB2-A92E-AB3775FB3D41}"/>
               </a:ext>
             </a:extLst>
           </p:cNvPr>
@@ -5953,8 +5947,8 @@
         </p:blipFill>
         <p:spPr>
           <a:xfrm>
-            <a:off x="371950" y="3797921"/>
-            <a:ext cx="4364206" cy="3057182"/>
+            <a:off x="5174645" y="308099"/>
+            <a:ext cx="5107442" cy="3363310"/>
           </a:xfrm>
           <a:prstGeom prst="rect">
             <a:avLst/>
@@ -6157,10 +6151,10 @@
       </p:sp>
       <p:pic>
         <p:nvPicPr>
-          <p:cNvPr id="5" name="Picture 4">
-            <a:extLst>
-              <a:ext uri="{FF2B5EF4-FFF2-40B4-BE49-F238E27FC236}">
-                <a16:creationId xmlns:a16="http://schemas.microsoft.com/office/drawing/2014/main" id="{AD6B80E1-529D-4957-B0B0-9761C4082518}"/>
+          <p:cNvPr id="6" name="Picture 5">
+            <a:extLst>
+              <a:ext uri="{FF2B5EF4-FFF2-40B4-BE49-F238E27FC236}">
+                <a16:creationId xmlns:a16="http://schemas.microsoft.com/office/drawing/2014/main" id="{33437BFD-428F-4E42-9361-3AC35F8ED73D}"/>
               </a:ext>
             </a:extLst>
           </p:cNvPr>
@@ -6177,8 +6171,8 @@
         </p:blipFill>
         <p:spPr>
           <a:xfrm>
-            <a:off x="5721551" y="3810115"/>
-            <a:ext cx="4265629" cy="2969467"/>
+            <a:off x="752296" y="3750921"/>
+            <a:ext cx="4399175" cy="2914240"/>
           </a:xfrm>
           <a:prstGeom prst="rect">
             <a:avLst/>
@@ -6187,10 +6181,10 @@
       </p:pic>
       <p:pic>
         <p:nvPicPr>
-          <p:cNvPr id="6" name="Picture 5">
-            <a:extLst>
-              <a:ext uri="{FF2B5EF4-FFF2-40B4-BE49-F238E27FC236}">
-                <a16:creationId xmlns:a16="http://schemas.microsoft.com/office/drawing/2014/main" id="{33437BFD-428F-4E42-9361-3AC35F8ED73D}"/>
+          <p:cNvPr id="4" name="Picture 3">
+            <a:extLst>
+              <a:ext uri="{FF2B5EF4-FFF2-40B4-BE49-F238E27FC236}">
+                <a16:creationId xmlns:a16="http://schemas.microsoft.com/office/drawing/2014/main" id="{383D6E6E-4268-480C-A91C-ACCB23CF8765}"/>
               </a:ext>
             </a:extLst>
           </p:cNvPr>
@@ -6207,8 +6201,8 @@
         </p:blipFill>
         <p:spPr>
           <a:xfrm>
-            <a:off x="752296" y="3750921"/>
-            <a:ext cx="4399175" cy="2914240"/>
+            <a:off x="5710328" y="3752560"/>
+            <a:ext cx="4127008" cy="2837318"/>
           </a:xfrm>
           <a:prstGeom prst="rect">
             <a:avLst/>
